--- a/assets/tactile_image_files/0006-oceanic_subduction_zone/0006-oceanic_subduction_zone.pptx
+++ b/assets/tactile_image_files/0006-oceanic_subduction_zone/0006-oceanic_subduction_zone.pptx
@@ -253,7 +253,7 @@
           <a:p>
             <a:fld id="{E796F801-3BB8-A247-923B-F07F1B58D38A}" type="datetimeFigureOut">
               <a:rPr lang="en-US" smtClean="0"/>
-              <a:t>7/23/20</a:t>
+              <a:t>1/8/21</a:t>
             </a:fld>
             <a:endParaRPr lang="en-US"/>
           </a:p>
@@ -433,7 +433,7 @@
           <a:p>
             <a:fld id="{E796F801-3BB8-A247-923B-F07F1B58D38A}" type="datetimeFigureOut">
               <a:rPr lang="en-US" smtClean="0"/>
-              <a:t>7/23/20</a:t>
+              <a:t>1/8/21</a:t>
             </a:fld>
             <a:endParaRPr lang="en-US"/>
           </a:p>
@@ -603,7 +603,7 @@
           <a:p>
             <a:fld id="{E796F801-3BB8-A247-923B-F07F1B58D38A}" type="datetimeFigureOut">
               <a:rPr lang="en-US" smtClean="0"/>
-              <a:t>7/23/20</a:t>
+              <a:t>1/8/21</a:t>
             </a:fld>
             <a:endParaRPr lang="en-US"/>
           </a:p>
@@ -847,7 +847,7 @@
           <a:p>
             <a:fld id="{E796F801-3BB8-A247-923B-F07F1B58D38A}" type="datetimeFigureOut">
               <a:rPr lang="en-US" smtClean="0"/>
-              <a:t>7/23/20</a:t>
+              <a:t>1/8/21</a:t>
             </a:fld>
             <a:endParaRPr lang="en-US"/>
           </a:p>
@@ -1079,7 +1079,7 @@
           <a:p>
             <a:fld id="{E796F801-3BB8-A247-923B-F07F1B58D38A}" type="datetimeFigureOut">
               <a:rPr lang="en-US" smtClean="0"/>
-              <a:t>7/23/20</a:t>
+              <a:t>1/8/21</a:t>
             </a:fld>
             <a:endParaRPr lang="en-US"/>
           </a:p>
@@ -1446,7 +1446,7 @@
           <a:p>
             <a:fld id="{E796F801-3BB8-A247-923B-F07F1B58D38A}" type="datetimeFigureOut">
               <a:rPr lang="en-US" smtClean="0"/>
-              <a:t>7/23/20</a:t>
+              <a:t>1/8/21</a:t>
             </a:fld>
             <a:endParaRPr lang="en-US"/>
           </a:p>
@@ -1564,7 +1564,7 @@
           <a:p>
             <a:fld id="{E796F801-3BB8-A247-923B-F07F1B58D38A}" type="datetimeFigureOut">
               <a:rPr lang="en-US" smtClean="0"/>
-              <a:t>7/23/20</a:t>
+              <a:t>1/8/21</a:t>
             </a:fld>
             <a:endParaRPr lang="en-US"/>
           </a:p>
@@ -1659,7 +1659,7 @@
           <a:p>
             <a:fld id="{E796F801-3BB8-A247-923B-F07F1B58D38A}" type="datetimeFigureOut">
               <a:rPr lang="en-US" smtClean="0"/>
-              <a:t>7/23/20</a:t>
+              <a:t>1/8/21</a:t>
             </a:fld>
             <a:endParaRPr lang="en-US"/>
           </a:p>
@@ -1936,7 +1936,7 @@
           <a:p>
             <a:fld id="{E796F801-3BB8-A247-923B-F07F1B58D38A}" type="datetimeFigureOut">
               <a:rPr lang="en-US" smtClean="0"/>
-              <a:t>7/23/20</a:t>
+              <a:t>1/8/21</a:t>
             </a:fld>
             <a:endParaRPr lang="en-US"/>
           </a:p>
@@ -2193,7 +2193,7 @@
           <a:p>
             <a:fld id="{E796F801-3BB8-A247-923B-F07F1B58D38A}" type="datetimeFigureOut">
               <a:rPr lang="en-US" smtClean="0"/>
-              <a:t>7/23/20</a:t>
+              <a:t>1/8/21</a:t>
             </a:fld>
             <a:endParaRPr lang="en-US"/>
           </a:p>
@@ -2406,7 +2406,7 @@
           <a:p>
             <a:fld id="{E796F801-3BB8-A247-923B-F07F1B58D38A}" type="datetimeFigureOut">
               <a:rPr lang="en-US" smtClean="0"/>
-              <a:t>7/23/20</a:t>
+              <a:t>1/8/21</a:t>
             </a:fld>
             <a:endParaRPr lang="en-US"/>
           </a:p>
@@ -3052,7 +3052,7 @@
         </p:nvSpPr>
         <p:spPr>
           <a:xfrm flipH="1">
-            <a:off x="1049462" y="3494394"/>
+            <a:off x="570996" y="3441234"/>
             <a:ext cx="2835306" cy="307777"/>
           </a:xfrm>
           <a:prstGeom prst="rect">
@@ -3072,7 +3072,7 @@
                 <a:ea typeface="Helvetica" charset="0"/>
                 <a:cs typeface="Arial" panose="020B0604020202020204" pitchFamily="34" charset="0"/>
               </a:rPr>
-              <a:t>lithospheric mantle</a:t>
+              <a:t>lith. mantle</a:t>
             </a:r>
           </a:p>
         </p:txBody>
@@ -3548,6 +3548,176 @@
           </a:fontRef>
         </p:style>
       </p:cxnSp>
+      <p:sp>
+        <p:nvSpPr>
+          <p:cNvPr id="23" name="Rectangle 22">
+            <a:extLst>
+              <a:ext uri="{FF2B5EF4-FFF2-40B4-BE49-F238E27FC236}">
+                <a16:creationId xmlns:a16="http://schemas.microsoft.com/office/drawing/2014/main" id="{3B17A58F-D44C-884F-9147-24DBCAD6BC9A}"/>
+              </a:ext>
+            </a:extLst>
+          </p:cNvPr>
+          <p:cNvSpPr/>
+          <p:nvPr/>
+        </p:nvSpPr>
+        <p:spPr>
+          <a:xfrm>
+            <a:off x="414669" y="3997843"/>
+            <a:ext cx="2604977" cy="606055"/>
+          </a:xfrm>
+          <a:prstGeom prst="rect">
+            <a:avLst/>
+          </a:prstGeom>
+          <a:solidFill>
+            <a:schemeClr val="bg1"/>
+          </a:solidFill>
+          <a:ln>
+            <a:noFill/>
+          </a:ln>
+        </p:spPr>
+        <p:style>
+          <a:lnRef idx="2">
+            <a:schemeClr val="accent1">
+              <a:shade val="50000"/>
+            </a:schemeClr>
+          </a:lnRef>
+          <a:fillRef idx="1">
+            <a:schemeClr val="accent1"/>
+          </a:fillRef>
+          <a:effectRef idx="0">
+            <a:schemeClr val="accent1"/>
+          </a:effectRef>
+          <a:fontRef idx="minor">
+            <a:schemeClr val="lt1"/>
+          </a:fontRef>
+        </p:style>
+        <p:txBody>
+          <a:bodyPr rtlCol="0" anchor="ctr"/>
+          <a:lstStyle/>
+          <a:p>
+            <a:pPr algn="ctr"/>
+            <a:endParaRPr lang="en-US"/>
+          </a:p>
+        </p:txBody>
+      </p:sp>
+      <p:sp>
+        <p:nvSpPr>
+          <p:cNvPr id="24" name="Freeform 23">
+            <a:extLst>
+              <a:ext uri="{FF2B5EF4-FFF2-40B4-BE49-F238E27FC236}">
+                <a16:creationId xmlns:a16="http://schemas.microsoft.com/office/drawing/2014/main" id="{D06D0F8C-39B9-7943-AEE2-CC7CD2F273F6}"/>
+              </a:ext>
+            </a:extLst>
+          </p:cNvPr>
+          <p:cNvSpPr/>
+          <p:nvPr/>
+        </p:nvSpPr>
+        <p:spPr>
+          <a:xfrm>
+            <a:off x="404038" y="4125432"/>
+            <a:ext cx="2690036" cy="361507"/>
+          </a:xfrm>
+          <a:custGeom>
+            <a:avLst/>
+            <a:gdLst>
+              <a:gd name="connsiteX0" fmla="*/ 0 w 2658139"/>
+              <a:gd name="connsiteY0" fmla="*/ 0 h 393404"/>
+              <a:gd name="connsiteX1" fmla="*/ 1297172 w 2658139"/>
+              <a:gd name="connsiteY1" fmla="*/ 21265 h 393404"/>
+              <a:gd name="connsiteX2" fmla="*/ 1839432 w 2658139"/>
+              <a:gd name="connsiteY2" fmla="*/ 74428 h 393404"/>
+              <a:gd name="connsiteX3" fmla="*/ 2169042 w 2658139"/>
+              <a:gd name="connsiteY3" fmla="*/ 148856 h 393404"/>
+              <a:gd name="connsiteX4" fmla="*/ 2509283 w 2658139"/>
+              <a:gd name="connsiteY4" fmla="*/ 276446 h 393404"/>
+              <a:gd name="connsiteX5" fmla="*/ 2658139 w 2658139"/>
+              <a:gd name="connsiteY5" fmla="*/ 393404 h 393404"/>
+            </a:gdLst>
+            <a:ahLst/>
+            <a:cxnLst>
+              <a:cxn ang="0">
+                <a:pos x="connsiteX0" y="connsiteY0"/>
+              </a:cxn>
+              <a:cxn ang="0">
+                <a:pos x="connsiteX1" y="connsiteY1"/>
+              </a:cxn>
+              <a:cxn ang="0">
+                <a:pos x="connsiteX2" y="connsiteY2"/>
+              </a:cxn>
+              <a:cxn ang="0">
+                <a:pos x="connsiteX3" y="connsiteY3"/>
+              </a:cxn>
+              <a:cxn ang="0">
+                <a:pos x="connsiteX4" y="connsiteY4"/>
+              </a:cxn>
+              <a:cxn ang="0">
+                <a:pos x="connsiteX5" y="connsiteY5"/>
+              </a:cxn>
+            </a:cxnLst>
+            <a:rect l="l" t="t" r="r" b="b"/>
+            <a:pathLst>
+              <a:path w="2658139" h="393404">
+                <a:moveTo>
+                  <a:pt x="0" y="0"/>
+                </a:moveTo>
+                <a:lnTo>
+                  <a:pt x="1297172" y="21265"/>
+                </a:lnTo>
+                <a:cubicBezTo>
+                  <a:pt x="1603744" y="33670"/>
+                  <a:pt x="1694120" y="53163"/>
+                  <a:pt x="1839432" y="74428"/>
+                </a:cubicBezTo>
+                <a:cubicBezTo>
+                  <a:pt x="1984744" y="95693"/>
+                  <a:pt x="2057400" y="115186"/>
+                  <a:pt x="2169042" y="148856"/>
+                </a:cubicBezTo>
+                <a:cubicBezTo>
+                  <a:pt x="2280684" y="182526"/>
+                  <a:pt x="2427767" y="235688"/>
+                  <a:pt x="2509283" y="276446"/>
+                </a:cubicBezTo>
+                <a:cubicBezTo>
+                  <a:pt x="2590799" y="317204"/>
+                  <a:pt x="2624469" y="355304"/>
+                  <a:pt x="2658139" y="393404"/>
+                </a:cubicBezTo>
+              </a:path>
+            </a:pathLst>
+          </a:custGeom>
+          <a:noFill/>
+          <a:ln w="50800">
+            <a:solidFill>
+              <a:schemeClr val="tx1"/>
+            </a:solidFill>
+          </a:ln>
+        </p:spPr>
+        <p:style>
+          <a:lnRef idx="2">
+            <a:schemeClr val="accent1">
+              <a:shade val="50000"/>
+            </a:schemeClr>
+          </a:lnRef>
+          <a:fillRef idx="1">
+            <a:schemeClr val="accent1"/>
+          </a:fillRef>
+          <a:effectRef idx="0">
+            <a:schemeClr val="accent1"/>
+          </a:effectRef>
+          <a:fontRef idx="minor">
+            <a:schemeClr val="lt1"/>
+          </a:fontRef>
+        </p:style>
+        <p:txBody>
+          <a:bodyPr rtlCol="0" anchor="ctr"/>
+          <a:lstStyle/>
+          <a:p>
+            <a:pPr algn="ctr"/>
+            <a:endParaRPr lang="en-US"/>
+          </a:p>
+        </p:txBody>
+      </p:sp>
     </p:spTree>
     <p:extLst>
       <p:ext uri="{BB962C8B-B14F-4D97-AF65-F5344CB8AC3E}">
@@ -3965,52 +4135,6 @@
       </p:sp>
       <p:sp>
         <p:nvSpPr>
-          <p:cNvPr id="47" name="Rectangle 46">
-            <a:extLst>
-              <a:ext uri="{FF2B5EF4-FFF2-40B4-BE49-F238E27FC236}">
-                <a16:creationId xmlns:a16="http://schemas.microsoft.com/office/drawing/2014/main" id="{1CBAE0A3-31D3-9545-B3A0-768E857B68F7}"/>
-              </a:ext>
-            </a:extLst>
-          </p:cNvPr>
-          <p:cNvSpPr/>
-          <p:nvPr/>
-        </p:nvSpPr>
-        <p:spPr>
-          <a:xfrm>
-            <a:off x="5932967" y="3371923"/>
-            <a:ext cx="2700669" cy="830997"/>
-          </a:xfrm>
-          <a:prstGeom prst="rect">
-            <a:avLst/>
-          </a:prstGeom>
-        </p:spPr>
-        <p:txBody>
-          <a:bodyPr wrap="square">
-            <a:spAutoFit/>
-          </a:bodyPr>
-          <a:lstStyle/>
-          <a:p>
-            <a:pPr algn="r"/>
-            <a:r>
-              <a:rPr lang="en-US" sz="2400">
-                <a:latin typeface="Swell Braille" pitchFamily="49"/>
-              </a:rPr>
-              <a:t>li?osph}ic </a:t>
-            </a:r>
-          </a:p>
-          <a:p>
-            <a:pPr algn="r"/>
-            <a:r>
-              <a:rPr lang="en-US" sz="2400">
-                <a:latin typeface="Swell Braille" pitchFamily="49"/>
-              </a:rPr>
-              <a:t>mantle</a:t>
-            </a:r>
-          </a:p>
-        </p:txBody>
-      </p:sp>
-      <p:sp>
-        <p:nvSpPr>
           <p:cNvPr id="48" name="Rectangle 47">
             <a:extLst>
               <a:ext uri="{FF2B5EF4-FFF2-40B4-BE49-F238E27FC236}">
@@ -4075,7 +4199,7 @@
         </p:nvSpPr>
         <p:spPr>
           <a:xfrm>
-            <a:off x="431121" y="4343031"/>
+            <a:off x="5375261" y="4417459"/>
             <a:ext cx="4449223" cy="830997"/>
           </a:xfrm>
           <a:prstGeom prst="rect">
@@ -4092,7 +4216,7 @@
               <a:rPr lang="en-US" sz="2400">
                 <a:latin typeface="Swell Braille" pitchFamily="49"/>
               </a:rPr>
-              <a:t>as!nosph}ic </a:t>
+              <a:t>⠁⠎⠞⠓⠑⠝⠕⠎⠏⠓⠑⠗⠊⠉⠀</a:t>
             </a:r>
           </a:p>
           <a:p>
@@ -4100,51 +4224,7 @@
               <a:rPr lang="en-US" sz="2400">
                 <a:latin typeface="Swell Braille" pitchFamily="49"/>
               </a:rPr>
-              <a:t>mantle</a:t>
-            </a:r>
-          </a:p>
-        </p:txBody>
-      </p:sp>
-      <p:sp>
-        <p:nvSpPr>
-          <p:cNvPr id="53" name="Rectangle 52">
-            <a:extLst>
-              <a:ext uri="{FF2B5EF4-FFF2-40B4-BE49-F238E27FC236}">
-                <a16:creationId xmlns:a16="http://schemas.microsoft.com/office/drawing/2014/main" id="{208EDDB8-CF14-EC45-A042-11119E0FA20A}"/>
-              </a:ext>
-            </a:extLst>
-          </p:cNvPr>
-          <p:cNvSpPr/>
-          <p:nvPr/>
-        </p:nvSpPr>
-        <p:spPr>
-          <a:xfrm>
-            <a:off x="5495763" y="4431635"/>
-            <a:ext cx="4449223" cy="830997"/>
-          </a:xfrm>
-          <a:prstGeom prst="rect">
-            <a:avLst/>
-          </a:prstGeom>
-        </p:spPr>
-        <p:txBody>
-          <a:bodyPr wrap="square">
-            <a:spAutoFit/>
-          </a:bodyPr>
-          <a:lstStyle/>
-          <a:p>
-            <a:r>
-              <a:rPr lang="en-US" sz="2400">
-                <a:latin typeface="Swell Braille" pitchFamily="49"/>
-              </a:rPr>
-              <a:t>as!nosph}ic </a:t>
-            </a:r>
-          </a:p>
-          <a:p>
-            <a:r>
-              <a:rPr lang="en-US" sz="2400">
-                <a:latin typeface="Swell Braille" pitchFamily="49"/>
-              </a:rPr>
-              <a:t>mantle</a:t>
+              <a:t>⠍⠁⠝⠞⠇⠑</a:t>
             </a:r>
           </a:p>
         </p:txBody>
@@ -4181,50 +4261,6 @@
                 <a:latin typeface="Swell Braille" pitchFamily="49"/>
               </a:rPr>
               <a:t>⠉⠕⠝⠞⠔⠢⠞⠁⠇ ⠉⠗⠥⠌</a:t>
-            </a:r>
-          </a:p>
-        </p:txBody>
-      </p:sp>
-      <p:sp>
-        <p:nvSpPr>
-          <p:cNvPr id="54" name="Rectangle 53">
-            <a:extLst>
-              <a:ext uri="{FF2B5EF4-FFF2-40B4-BE49-F238E27FC236}">
-                <a16:creationId xmlns:a16="http://schemas.microsoft.com/office/drawing/2014/main" id="{09BBB312-C07B-AF42-A4F5-92CCC47F0FA5}"/>
-              </a:ext>
-            </a:extLst>
-          </p:cNvPr>
-          <p:cNvSpPr/>
-          <p:nvPr/>
-        </p:nvSpPr>
-        <p:spPr>
-          <a:xfrm>
-            <a:off x="428846" y="3205345"/>
-            <a:ext cx="4306186" cy="830997"/>
-          </a:xfrm>
-          <a:prstGeom prst="rect">
-            <a:avLst/>
-          </a:prstGeom>
-        </p:spPr>
-        <p:txBody>
-          <a:bodyPr wrap="square">
-            <a:spAutoFit/>
-          </a:bodyPr>
-          <a:lstStyle/>
-          <a:p>
-            <a:r>
-              <a:rPr lang="en-US" sz="2400">
-                <a:latin typeface="Swell Braille" pitchFamily="49"/>
-              </a:rPr>
-              <a:t>li?osph}ic </a:t>
-            </a:r>
-          </a:p>
-          <a:p>
-            <a:r>
-              <a:rPr lang="en-US" sz="2400">
-                <a:latin typeface="Swell Braille" pitchFamily="49"/>
-              </a:rPr>
-              <a:t>mantle</a:t>
             </a:r>
           </a:p>
         </p:txBody>
@@ -4376,6 +4412,294 @@
           </a:fontRef>
         </p:style>
       </p:cxnSp>
+      <p:sp>
+        <p:nvSpPr>
+          <p:cNvPr id="2" name="Rectangle 1">
+            <a:extLst>
+              <a:ext uri="{FF2B5EF4-FFF2-40B4-BE49-F238E27FC236}">
+                <a16:creationId xmlns:a16="http://schemas.microsoft.com/office/drawing/2014/main" id="{CA2DDA7F-17BF-CD40-890D-D6ACE786BF5F}"/>
+              </a:ext>
+            </a:extLst>
+          </p:cNvPr>
+          <p:cNvSpPr/>
+          <p:nvPr/>
+        </p:nvSpPr>
+        <p:spPr>
+          <a:xfrm>
+            <a:off x="464393" y="4647832"/>
+            <a:ext cx="2941831" cy="461665"/>
+          </a:xfrm>
+          <a:prstGeom prst="rect">
+            <a:avLst/>
+          </a:prstGeom>
+        </p:spPr>
+        <p:txBody>
+          <a:bodyPr wrap="none">
+            <a:spAutoFit/>
+          </a:bodyPr>
+          <a:lstStyle/>
+          <a:p>
+            <a:r>
+              <a:rPr lang="en-US" sz="2400">
+                <a:latin typeface="Swell Braille" pitchFamily="49"/>
+              </a:rPr>
+              <a:t>⠁⠎⠞⠓⠲⠀⠍⠁⠝⠞⠇⠑</a:t>
+            </a:r>
+          </a:p>
+        </p:txBody>
+      </p:sp>
+      <p:sp>
+        <p:nvSpPr>
+          <p:cNvPr id="3" name="Rectangle 2">
+            <a:extLst>
+              <a:ext uri="{FF2B5EF4-FFF2-40B4-BE49-F238E27FC236}">
+                <a16:creationId xmlns:a16="http://schemas.microsoft.com/office/drawing/2014/main" id="{3A1C917D-E938-0C42-A0CE-4FB61519E715}"/>
+              </a:ext>
+            </a:extLst>
+          </p:cNvPr>
+          <p:cNvSpPr/>
+          <p:nvPr/>
+        </p:nvSpPr>
+        <p:spPr>
+          <a:xfrm>
+            <a:off x="5929182" y="3414454"/>
+            <a:ext cx="2858475" cy="830997"/>
+          </a:xfrm>
+          <a:prstGeom prst="rect">
+            <a:avLst/>
+          </a:prstGeom>
+        </p:spPr>
+        <p:txBody>
+          <a:bodyPr wrap="none">
+            <a:spAutoFit/>
+          </a:bodyPr>
+          <a:lstStyle/>
+          <a:p>
+            <a:pPr algn="r"/>
+            <a:r>
+              <a:rPr lang="en-US" sz="2400">
+                <a:latin typeface="Swell Braille" pitchFamily="49"/>
+              </a:rPr>
+              <a:t>⠇⠊⠞⠓⠕⠎⠏⠓⠑⠗⠊⠉</a:t>
+            </a:r>
+          </a:p>
+          <a:p>
+            <a:pPr algn="r"/>
+            <a:r>
+              <a:rPr lang="en-US" sz="2400">
+                <a:latin typeface="Swell Braille" pitchFamily="49"/>
+              </a:rPr>
+              <a:t>   ⠍⠁⠝⠞⠇⠑</a:t>
+            </a:r>
+          </a:p>
+        </p:txBody>
+      </p:sp>
+      <p:sp>
+        <p:nvSpPr>
+          <p:cNvPr id="4" name="Rectangle 3">
+            <a:extLst>
+              <a:ext uri="{FF2B5EF4-FFF2-40B4-BE49-F238E27FC236}">
+                <a16:creationId xmlns:a16="http://schemas.microsoft.com/office/drawing/2014/main" id="{9CB130F8-4FF2-104C-9EDC-3DD989AE7D27}"/>
+              </a:ext>
+            </a:extLst>
+          </p:cNvPr>
+          <p:cNvSpPr/>
+          <p:nvPr/>
+        </p:nvSpPr>
+        <p:spPr>
+          <a:xfrm>
+            <a:off x="414669" y="3997843"/>
+            <a:ext cx="2604977" cy="606055"/>
+          </a:xfrm>
+          <a:prstGeom prst="rect">
+            <a:avLst/>
+          </a:prstGeom>
+          <a:solidFill>
+            <a:schemeClr val="bg1"/>
+          </a:solidFill>
+          <a:ln>
+            <a:noFill/>
+          </a:ln>
+        </p:spPr>
+        <p:style>
+          <a:lnRef idx="2">
+            <a:schemeClr val="accent1">
+              <a:shade val="50000"/>
+            </a:schemeClr>
+          </a:lnRef>
+          <a:fillRef idx="1">
+            <a:schemeClr val="accent1"/>
+          </a:fillRef>
+          <a:effectRef idx="0">
+            <a:schemeClr val="accent1"/>
+          </a:effectRef>
+          <a:fontRef idx="minor">
+            <a:schemeClr val="lt1"/>
+          </a:fontRef>
+        </p:style>
+        <p:txBody>
+          <a:bodyPr rtlCol="0" anchor="ctr"/>
+          <a:lstStyle/>
+          <a:p>
+            <a:pPr algn="ctr"/>
+            <a:endParaRPr lang="en-US"/>
+          </a:p>
+        </p:txBody>
+      </p:sp>
+      <p:sp>
+        <p:nvSpPr>
+          <p:cNvPr id="23" name="Rectangle 22">
+            <a:extLst>
+              <a:ext uri="{FF2B5EF4-FFF2-40B4-BE49-F238E27FC236}">
+                <a16:creationId xmlns:a16="http://schemas.microsoft.com/office/drawing/2014/main" id="{F90B770F-BACE-A945-9ED5-7E1DEB8B3460}"/>
+              </a:ext>
+            </a:extLst>
+          </p:cNvPr>
+          <p:cNvSpPr/>
+          <p:nvPr/>
+        </p:nvSpPr>
+        <p:spPr>
+          <a:xfrm>
+            <a:off x="425056" y="3439268"/>
+            <a:ext cx="2858475" cy="461665"/>
+          </a:xfrm>
+          <a:prstGeom prst="rect">
+            <a:avLst/>
+          </a:prstGeom>
+        </p:spPr>
+        <p:txBody>
+          <a:bodyPr wrap="none">
+            <a:spAutoFit/>
+          </a:bodyPr>
+          <a:lstStyle/>
+          <a:p>
+            <a:r>
+              <a:rPr lang="en-US" sz="2400">
+                <a:latin typeface="Swell Braille" pitchFamily="49"/>
+              </a:rPr>
+              <a:t>⠇⠊⠞⠓⠲⠀⠍⠁⠝⠞⠇⠑</a:t>
+            </a:r>
+          </a:p>
+        </p:txBody>
+      </p:sp>
+      <p:sp>
+        <p:nvSpPr>
+          <p:cNvPr id="6" name="Freeform 5">
+            <a:extLst>
+              <a:ext uri="{FF2B5EF4-FFF2-40B4-BE49-F238E27FC236}">
+                <a16:creationId xmlns:a16="http://schemas.microsoft.com/office/drawing/2014/main" id="{E9B480C3-2CBF-8048-BEC3-841A1208A6AE}"/>
+              </a:ext>
+            </a:extLst>
+          </p:cNvPr>
+          <p:cNvSpPr/>
+          <p:nvPr/>
+        </p:nvSpPr>
+        <p:spPr>
+          <a:xfrm>
+            <a:off x="404038" y="4125432"/>
+            <a:ext cx="2690036" cy="361507"/>
+          </a:xfrm>
+          <a:custGeom>
+            <a:avLst/>
+            <a:gdLst>
+              <a:gd name="connsiteX0" fmla="*/ 0 w 2658139"/>
+              <a:gd name="connsiteY0" fmla="*/ 0 h 393404"/>
+              <a:gd name="connsiteX1" fmla="*/ 1297172 w 2658139"/>
+              <a:gd name="connsiteY1" fmla="*/ 21265 h 393404"/>
+              <a:gd name="connsiteX2" fmla="*/ 1839432 w 2658139"/>
+              <a:gd name="connsiteY2" fmla="*/ 74428 h 393404"/>
+              <a:gd name="connsiteX3" fmla="*/ 2169042 w 2658139"/>
+              <a:gd name="connsiteY3" fmla="*/ 148856 h 393404"/>
+              <a:gd name="connsiteX4" fmla="*/ 2509283 w 2658139"/>
+              <a:gd name="connsiteY4" fmla="*/ 276446 h 393404"/>
+              <a:gd name="connsiteX5" fmla="*/ 2658139 w 2658139"/>
+              <a:gd name="connsiteY5" fmla="*/ 393404 h 393404"/>
+            </a:gdLst>
+            <a:ahLst/>
+            <a:cxnLst>
+              <a:cxn ang="0">
+                <a:pos x="connsiteX0" y="connsiteY0"/>
+              </a:cxn>
+              <a:cxn ang="0">
+                <a:pos x="connsiteX1" y="connsiteY1"/>
+              </a:cxn>
+              <a:cxn ang="0">
+                <a:pos x="connsiteX2" y="connsiteY2"/>
+              </a:cxn>
+              <a:cxn ang="0">
+                <a:pos x="connsiteX3" y="connsiteY3"/>
+              </a:cxn>
+              <a:cxn ang="0">
+                <a:pos x="connsiteX4" y="connsiteY4"/>
+              </a:cxn>
+              <a:cxn ang="0">
+                <a:pos x="connsiteX5" y="connsiteY5"/>
+              </a:cxn>
+            </a:cxnLst>
+            <a:rect l="l" t="t" r="r" b="b"/>
+            <a:pathLst>
+              <a:path w="2658139" h="393404">
+                <a:moveTo>
+                  <a:pt x="0" y="0"/>
+                </a:moveTo>
+                <a:lnTo>
+                  <a:pt x="1297172" y="21265"/>
+                </a:lnTo>
+                <a:cubicBezTo>
+                  <a:pt x="1603744" y="33670"/>
+                  <a:pt x="1694120" y="53163"/>
+                  <a:pt x="1839432" y="74428"/>
+                </a:cubicBezTo>
+                <a:cubicBezTo>
+                  <a:pt x="1984744" y="95693"/>
+                  <a:pt x="2057400" y="115186"/>
+                  <a:pt x="2169042" y="148856"/>
+                </a:cubicBezTo>
+                <a:cubicBezTo>
+                  <a:pt x="2280684" y="182526"/>
+                  <a:pt x="2427767" y="235688"/>
+                  <a:pt x="2509283" y="276446"/>
+                </a:cubicBezTo>
+                <a:cubicBezTo>
+                  <a:pt x="2590799" y="317204"/>
+                  <a:pt x="2624469" y="355304"/>
+                  <a:pt x="2658139" y="393404"/>
+                </a:cubicBezTo>
+              </a:path>
+            </a:pathLst>
+          </a:custGeom>
+          <a:noFill/>
+          <a:ln w="50800">
+            <a:solidFill>
+              <a:schemeClr val="tx1"/>
+            </a:solidFill>
+          </a:ln>
+        </p:spPr>
+        <p:style>
+          <a:lnRef idx="2">
+            <a:schemeClr val="accent1">
+              <a:shade val="50000"/>
+            </a:schemeClr>
+          </a:lnRef>
+          <a:fillRef idx="1">
+            <a:schemeClr val="accent1"/>
+          </a:fillRef>
+          <a:effectRef idx="0">
+            <a:schemeClr val="accent1"/>
+          </a:effectRef>
+          <a:fontRef idx="minor">
+            <a:schemeClr val="lt1"/>
+          </a:fontRef>
+        </p:style>
+        <p:txBody>
+          <a:bodyPr rtlCol="0" anchor="ctr"/>
+          <a:lstStyle/>
+          <a:p>
+            <a:pPr algn="ctr"/>
+            <a:endParaRPr lang="en-US"/>
+          </a:p>
+        </p:txBody>
+      </p:sp>
     </p:spTree>
     <p:extLst>
       <p:ext uri="{BB962C8B-B14F-4D97-AF65-F5344CB8AC3E}">
@@ -4702,6 +5026,176 @@
           </a:solidFill>
           <a:ln>
             <a:noFill/>
+          </a:ln>
+        </p:spPr>
+        <p:style>
+          <a:lnRef idx="2">
+            <a:schemeClr val="accent1">
+              <a:shade val="50000"/>
+            </a:schemeClr>
+          </a:lnRef>
+          <a:fillRef idx="1">
+            <a:schemeClr val="accent1"/>
+          </a:fillRef>
+          <a:effectRef idx="0">
+            <a:schemeClr val="accent1"/>
+          </a:effectRef>
+          <a:fontRef idx="minor">
+            <a:schemeClr val="lt1"/>
+          </a:fontRef>
+        </p:style>
+        <p:txBody>
+          <a:bodyPr rtlCol="0" anchor="ctr"/>
+          <a:lstStyle/>
+          <a:p>
+            <a:pPr algn="ctr"/>
+            <a:endParaRPr lang="en-US"/>
+          </a:p>
+        </p:txBody>
+      </p:sp>
+      <p:sp>
+        <p:nvSpPr>
+          <p:cNvPr id="9" name="Rectangle 8">
+            <a:extLst>
+              <a:ext uri="{FF2B5EF4-FFF2-40B4-BE49-F238E27FC236}">
+                <a16:creationId xmlns:a16="http://schemas.microsoft.com/office/drawing/2014/main" id="{014CE7B9-132D-2240-86C1-DA3AF812F188}"/>
+              </a:ext>
+            </a:extLst>
+          </p:cNvPr>
+          <p:cNvSpPr/>
+          <p:nvPr/>
+        </p:nvSpPr>
+        <p:spPr>
+          <a:xfrm>
+            <a:off x="425302" y="3466215"/>
+            <a:ext cx="2604977" cy="712382"/>
+          </a:xfrm>
+          <a:prstGeom prst="rect">
+            <a:avLst/>
+          </a:prstGeom>
+          <a:solidFill>
+            <a:schemeClr val="bg1"/>
+          </a:solidFill>
+          <a:ln>
+            <a:noFill/>
+          </a:ln>
+        </p:spPr>
+        <p:style>
+          <a:lnRef idx="2">
+            <a:schemeClr val="accent1">
+              <a:shade val="50000"/>
+            </a:schemeClr>
+          </a:lnRef>
+          <a:fillRef idx="1">
+            <a:schemeClr val="accent1"/>
+          </a:fillRef>
+          <a:effectRef idx="0">
+            <a:schemeClr val="accent1"/>
+          </a:effectRef>
+          <a:fontRef idx="minor">
+            <a:schemeClr val="lt1"/>
+          </a:fontRef>
+        </p:style>
+        <p:txBody>
+          <a:bodyPr rtlCol="0" anchor="ctr"/>
+          <a:lstStyle/>
+          <a:p>
+            <a:pPr algn="ctr"/>
+            <a:endParaRPr lang="en-US"/>
+          </a:p>
+        </p:txBody>
+      </p:sp>
+      <p:sp>
+        <p:nvSpPr>
+          <p:cNvPr id="10" name="Freeform 9">
+            <a:extLst>
+              <a:ext uri="{FF2B5EF4-FFF2-40B4-BE49-F238E27FC236}">
+                <a16:creationId xmlns:a16="http://schemas.microsoft.com/office/drawing/2014/main" id="{53B812A5-6F80-2D4D-B815-4FA57CCB17FA}"/>
+              </a:ext>
+            </a:extLst>
+          </p:cNvPr>
+          <p:cNvSpPr/>
+          <p:nvPr/>
+        </p:nvSpPr>
+        <p:spPr>
+          <a:xfrm>
+            <a:off x="404038" y="3700130"/>
+            <a:ext cx="2690036" cy="361507"/>
+          </a:xfrm>
+          <a:custGeom>
+            <a:avLst/>
+            <a:gdLst>
+              <a:gd name="connsiteX0" fmla="*/ 0 w 2658139"/>
+              <a:gd name="connsiteY0" fmla="*/ 0 h 393404"/>
+              <a:gd name="connsiteX1" fmla="*/ 1297172 w 2658139"/>
+              <a:gd name="connsiteY1" fmla="*/ 21265 h 393404"/>
+              <a:gd name="connsiteX2" fmla="*/ 1839432 w 2658139"/>
+              <a:gd name="connsiteY2" fmla="*/ 74428 h 393404"/>
+              <a:gd name="connsiteX3" fmla="*/ 2169042 w 2658139"/>
+              <a:gd name="connsiteY3" fmla="*/ 148856 h 393404"/>
+              <a:gd name="connsiteX4" fmla="*/ 2509283 w 2658139"/>
+              <a:gd name="connsiteY4" fmla="*/ 276446 h 393404"/>
+              <a:gd name="connsiteX5" fmla="*/ 2658139 w 2658139"/>
+              <a:gd name="connsiteY5" fmla="*/ 393404 h 393404"/>
+            </a:gdLst>
+            <a:ahLst/>
+            <a:cxnLst>
+              <a:cxn ang="0">
+                <a:pos x="connsiteX0" y="connsiteY0"/>
+              </a:cxn>
+              <a:cxn ang="0">
+                <a:pos x="connsiteX1" y="connsiteY1"/>
+              </a:cxn>
+              <a:cxn ang="0">
+                <a:pos x="connsiteX2" y="connsiteY2"/>
+              </a:cxn>
+              <a:cxn ang="0">
+                <a:pos x="connsiteX3" y="connsiteY3"/>
+              </a:cxn>
+              <a:cxn ang="0">
+                <a:pos x="connsiteX4" y="connsiteY4"/>
+              </a:cxn>
+              <a:cxn ang="0">
+                <a:pos x="connsiteX5" y="connsiteY5"/>
+              </a:cxn>
+            </a:cxnLst>
+            <a:rect l="l" t="t" r="r" b="b"/>
+            <a:pathLst>
+              <a:path w="2658139" h="393404">
+                <a:moveTo>
+                  <a:pt x="0" y="0"/>
+                </a:moveTo>
+                <a:lnTo>
+                  <a:pt x="1297172" y="21265"/>
+                </a:lnTo>
+                <a:cubicBezTo>
+                  <a:pt x="1603744" y="33670"/>
+                  <a:pt x="1694120" y="53163"/>
+                  <a:pt x="1839432" y="74428"/>
+                </a:cubicBezTo>
+                <a:cubicBezTo>
+                  <a:pt x="1984744" y="95693"/>
+                  <a:pt x="2057400" y="115186"/>
+                  <a:pt x="2169042" y="148856"/>
+                </a:cubicBezTo>
+                <a:cubicBezTo>
+                  <a:pt x="2280684" y="182526"/>
+                  <a:pt x="2427767" y="235688"/>
+                  <a:pt x="2509283" y="276446"/>
+                </a:cubicBezTo>
+                <a:cubicBezTo>
+                  <a:pt x="2590799" y="317204"/>
+                  <a:pt x="2624469" y="355304"/>
+                  <a:pt x="2658139" y="393404"/>
+                </a:cubicBezTo>
+              </a:path>
+            </a:pathLst>
+          </a:custGeom>
+          <a:noFill/>
+          <a:ln w="50800">
+            <a:solidFill>
+              <a:schemeClr val="tx1"/>
+            </a:solidFill>
           </a:ln>
         </p:spPr>
         <p:style>

--- a/assets/tactile_image_files/0006-oceanic_subduction_zone/0006-oceanic_subduction_zone.pptx
+++ b/assets/tactile_image_files/0006-oceanic_subduction_zone/0006-oceanic_subduction_zone.pptx
@@ -253,7 +253,7 @@
           <a:p>
             <a:fld id="{E796F801-3BB8-A247-923B-F07F1B58D38A}" type="datetimeFigureOut">
               <a:rPr lang="en-US" smtClean="0"/>
-              <a:t>1/8/21</a:t>
+              <a:t>6/17/21</a:t>
             </a:fld>
             <a:endParaRPr lang="en-US"/>
           </a:p>
@@ -433,7 +433,7 @@
           <a:p>
             <a:fld id="{E796F801-3BB8-A247-923B-F07F1B58D38A}" type="datetimeFigureOut">
               <a:rPr lang="en-US" smtClean="0"/>
-              <a:t>1/8/21</a:t>
+              <a:t>6/17/21</a:t>
             </a:fld>
             <a:endParaRPr lang="en-US"/>
           </a:p>
@@ -603,7 +603,7 @@
           <a:p>
             <a:fld id="{E796F801-3BB8-A247-923B-F07F1B58D38A}" type="datetimeFigureOut">
               <a:rPr lang="en-US" smtClean="0"/>
-              <a:t>1/8/21</a:t>
+              <a:t>6/17/21</a:t>
             </a:fld>
             <a:endParaRPr lang="en-US"/>
           </a:p>
@@ -847,7 +847,7 @@
           <a:p>
             <a:fld id="{E796F801-3BB8-A247-923B-F07F1B58D38A}" type="datetimeFigureOut">
               <a:rPr lang="en-US" smtClean="0"/>
-              <a:t>1/8/21</a:t>
+              <a:t>6/17/21</a:t>
             </a:fld>
             <a:endParaRPr lang="en-US"/>
           </a:p>
@@ -1079,7 +1079,7 @@
           <a:p>
             <a:fld id="{E796F801-3BB8-A247-923B-F07F1B58D38A}" type="datetimeFigureOut">
               <a:rPr lang="en-US" smtClean="0"/>
-              <a:t>1/8/21</a:t>
+              <a:t>6/17/21</a:t>
             </a:fld>
             <a:endParaRPr lang="en-US"/>
           </a:p>
@@ -1446,7 +1446,7 @@
           <a:p>
             <a:fld id="{E796F801-3BB8-A247-923B-F07F1B58D38A}" type="datetimeFigureOut">
               <a:rPr lang="en-US" smtClean="0"/>
-              <a:t>1/8/21</a:t>
+              <a:t>6/17/21</a:t>
             </a:fld>
             <a:endParaRPr lang="en-US"/>
           </a:p>
@@ -1564,7 +1564,7 @@
           <a:p>
             <a:fld id="{E796F801-3BB8-A247-923B-F07F1B58D38A}" type="datetimeFigureOut">
               <a:rPr lang="en-US" smtClean="0"/>
-              <a:t>1/8/21</a:t>
+              <a:t>6/17/21</a:t>
             </a:fld>
             <a:endParaRPr lang="en-US"/>
           </a:p>
@@ -1659,7 +1659,7 @@
           <a:p>
             <a:fld id="{E796F801-3BB8-A247-923B-F07F1B58D38A}" type="datetimeFigureOut">
               <a:rPr lang="en-US" smtClean="0"/>
-              <a:t>1/8/21</a:t>
+              <a:t>6/17/21</a:t>
             </a:fld>
             <a:endParaRPr lang="en-US"/>
           </a:p>
@@ -1936,7 +1936,7 @@
           <a:p>
             <a:fld id="{E796F801-3BB8-A247-923B-F07F1B58D38A}" type="datetimeFigureOut">
               <a:rPr lang="en-US" smtClean="0"/>
-              <a:t>1/8/21</a:t>
+              <a:t>6/17/21</a:t>
             </a:fld>
             <a:endParaRPr lang="en-US"/>
           </a:p>
@@ -2193,7 +2193,7 @@
           <a:p>
             <a:fld id="{E796F801-3BB8-A247-923B-F07F1B58D38A}" type="datetimeFigureOut">
               <a:rPr lang="en-US" smtClean="0"/>
-              <a:t>1/8/21</a:t>
+              <a:t>6/17/21</a:t>
             </a:fld>
             <a:endParaRPr lang="en-US"/>
           </a:p>
@@ -2406,7 +2406,7 @@
           <a:p>
             <a:fld id="{E796F801-3BB8-A247-923B-F07F1B58D38A}" type="datetimeFigureOut">
               <a:rPr lang="en-US" smtClean="0"/>
-              <a:t>1/8/21</a:t>
+              <a:t>6/17/21</a:t>
             </a:fld>
             <a:endParaRPr lang="en-US"/>
           </a:p>
@@ -3965,7 +3965,7 @@
           <a:lstStyle/>
           <a:p>
             <a:r>
-              <a:rPr lang="en-US" sz="2400">
+              <a:rPr lang="en-US" sz="2400" dirty="0">
                 <a:latin typeface="Swell Braille" pitchFamily="49"/>
               </a:rPr>
               <a:t>oc1nic cru/</a:t>
@@ -3987,8 +3987,8 @@
         </p:nvSpPr>
         <p:spPr>
           <a:xfrm>
-            <a:off x="2657002" y="288483"/>
-            <a:ext cx="4418197" cy="461665"/>
+            <a:off x="2028675" y="289093"/>
+            <a:ext cx="5086649" cy="461665"/>
           </a:xfrm>
           <a:prstGeom prst="rect">
             <a:avLst/>
@@ -4001,11 +4001,32 @@
           <a:lstStyle/>
           <a:p>
             <a:r>
-              <a:rPr lang="en-US" sz="2400">
+              <a:rPr lang="en-US" sz="2400" dirty="0">
                 <a:latin typeface="Swell Braille" pitchFamily="49"/>
               </a:rPr>
-              <a:t>oc1nic subduc;n z"o</a:t>
-            </a:r>
+              <a:t>⠠oc1nic ⠠</a:t>
+            </a:r>
+            <a:r>
+              <a:rPr lang="en-US" sz="2400" dirty="0" err="1">
+                <a:latin typeface="Swell Braille" pitchFamily="49"/>
+              </a:rPr>
+              <a:t>subduc;n</a:t>
+            </a:r>
+            <a:r>
+              <a:rPr lang="en-US" sz="2400" dirty="0">
+                <a:latin typeface="Swell Braille" pitchFamily="49"/>
+              </a:rPr>
+              <a:t> ⠠</a:t>
+            </a:r>
+            <a:r>
+              <a:rPr lang="en-US" sz="2400" dirty="0" err="1">
+                <a:latin typeface="Swell Braille" pitchFamily="49"/>
+              </a:rPr>
+              <a:t>z"o</a:t>
+            </a:r>
+            <a:endParaRPr lang="en-US" sz="2400" dirty="0">
+              <a:latin typeface="Swell Braille" pitchFamily="49"/>
+            </a:endParaRPr>
           </a:p>
         </p:txBody>
       </p:sp>
@@ -4037,10 +4058,16 @@
           <a:lstStyle/>
           <a:p>
             <a:r>
-              <a:rPr lang="en-US" sz="2400">
+              <a:rPr lang="en-US" sz="2400" dirty="0" err="1">
                 <a:latin typeface="Swell Braille" pitchFamily="49"/>
               </a:rPr>
-              <a:t>isl&amp; &gt;c</a:t>
+              <a:t>isl</a:t>
+            </a:r>
+            <a:r>
+              <a:rPr lang="en-US" sz="2400" dirty="0">
+                <a:latin typeface="Swell Braille" pitchFamily="49"/>
+              </a:rPr>
+              <a:t>&amp; &gt;c</a:t>
             </a:r>
           </a:p>
         </p:txBody>
@@ -4073,7 +4100,7 @@
           <a:lstStyle/>
           <a:p>
             <a:r>
-              <a:rPr lang="en-US" sz="2400">
+              <a:rPr lang="en-US" sz="2400" dirty="0">
                 <a:latin typeface="Swell Braille" pitchFamily="49"/>
               </a:rPr>
               <a:t>tr5*</a:t>
@@ -4213,15 +4240,39 @@
           <a:lstStyle/>
           <a:p>
             <a:r>
-              <a:rPr lang="en-US" sz="2400">
+              <a:rPr lang="en-US" sz="2400" dirty="0">
                 <a:latin typeface="Swell Braille" pitchFamily="49"/>
               </a:rPr>
-              <a:t>⠁⠎⠞⠓⠑⠝⠕⠎⠏⠓⠑⠗⠊⠉⠀</a:t>
-            </a:r>
-          </a:p>
-          <a:p>
-            <a:r>
-              <a:rPr lang="en-US" sz="2400">
+              <a:t>⠁⠎!</a:t>
+            </a:r>
+            <a:r>
+              <a:rPr lang="en-US" sz="2400" dirty="0" err="1">
+                <a:latin typeface="Swell Braille" pitchFamily="49"/>
+              </a:rPr>
+              <a:t>nosph</a:t>
+            </a:r>
+            <a:r>
+              <a:rPr lang="en-US" sz="2400" dirty="0">
+                <a:latin typeface="Swell Braille" pitchFamily="49"/>
+              </a:rPr>
+              <a:t>}</a:t>
+            </a:r>
+            <a:r>
+              <a:rPr lang="en-US" sz="2400" dirty="0" err="1">
+                <a:latin typeface="Swell Braille" pitchFamily="49"/>
+              </a:rPr>
+              <a:t>ic</a:t>
+            </a:r>
+            <a:r>
+              <a:rPr lang="en-US" sz="2400" dirty="0">
+                <a:latin typeface="Swell Braille" pitchFamily="49"/>
+              </a:rPr>
+              <a:t> ⠀</a:t>
+            </a:r>
+          </a:p>
+          <a:p>
+            <a:r>
+              <a:rPr lang="en-US" sz="2400" dirty="0">
                 <a:latin typeface="Swell Braille" pitchFamily="49"/>
               </a:rPr>
               <a:t>⠍⠁⠝⠞⠇⠑</a:t>
@@ -4257,10 +4308,10 @@
           <a:lstStyle/>
           <a:p>
             <a:r>
-              <a:rPr lang="en-US" sz="2400">
+              <a:rPr lang="en-US" sz="2400" dirty="0">
                 <a:latin typeface="Swell Braille" pitchFamily="49"/>
               </a:rPr>
-              <a:t>⠉⠕⠝⠞⠔⠢⠞⠁⠇ ⠉⠗⠥⠌</a:t>
+              <a:t>3⠞⠔⠢⠞⠁⠇ ⠉⠗⠥⠌</a:t>
             </a:r>
           </a:p>
         </p:txBody>
@@ -4426,8 +4477,8 @@
         </p:nvSpPr>
         <p:spPr>
           <a:xfrm>
-            <a:off x="464393" y="4647832"/>
-            <a:ext cx="2941831" cy="461665"/>
+            <a:off x="469517" y="4498851"/>
+            <a:ext cx="2858475" cy="830997"/>
           </a:xfrm>
           <a:prstGeom prst="rect">
             <a:avLst/>
@@ -4440,10 +4491,42 @@
           <a:lstStyle/>
           <a:p>
             <a:r>
-              <a:rPr lang="en-US" sz="2400">
+              <a:rPr lang="en-US" sz="2400" dirty="0">
                 <a:latin typeface="Swell Braille" pitchFamily="49"/>
               </a:rPr>
-              <a:t>⠁⠎⠞⠓⠲⠀⠍⠁⠝⠞⠇⠑</a:t>
+              <a:t>⠁⠎!</a:t>
+            </a:r>
+            <a:r>
+              <a:rPr lang="en-US" sz="2400" dirty="0" err="1">
+                <a:latin typeface="Swell Braille" pitchFamily="49"/>
+              </a:rPr>
+              <a:t>nosph</a:t>
+            </a:r>
+            <a:r>
+              <a:rPr lang="en-US" sz="2400" dirty="0">
+                <a:latin typeface="Swell Braille" pitchFamily="49"/>
+              </a:rPr>
+              <a:t>}</a:t>
+            </a:r>
+            <a:r>
+              <a:rPr lang="en-US" sz="2400" dirty="0" err="1">
+                <a:latin typeface="Swell Braille" pitchFamily="49"/>
+              </a:rPr>
+              <a:t>ic</a:t>
+            </a:r>
+            <a:r>
+              <a:rPr lang="en-US" sz="2400" dirty="0">
+                <a:latin typeface="Swell Braille" pitchFamily="49"/>
+              </a:rPr>
+              <a:t>⠀</a:t>
+            </a:r>
+          </a:p>
+          <a:p>
+            <a:r>
+              <a:rPr lang="en-US" sz="2400" dirty="0">
+                <a:latin typeface="Swell Braille" pitchFamily="49"/>
+              </a:rPr>
+              <a:t>⠍⠁⠝⠞⠇⠑</a:t>
             </a:r>
           </a:p>
         </p:txBody>
@@ -4462,8 +4545,8 @@
         </p:nvSpPr>
         <p:spPr>
           <a:xfrm>
-            <a:off x="5929182" y="3414454"/>
-            <a:ext cx="2858475" cy="830997"/>
+            <a:off x="6374817" y="3414454"/>
+            <a:ext cx="2412840" cy="830997"/>
           </a:xfrm>
           <a:prstGeom prst="rect">
             <a:avLst/>
@@ -4477,16 +4560,16 @@
           <a:p>
             <a:pPr algn="r"/>
             <a:r>
-              <a:rPr lang="en-US" sz="2400">
+              <a:rPr lang="en-US" sz="2400" dirty="0">
                 <a:latin typeface="Swell Braille" pitchFamily="49"/>
               </a:rPr>
-              <a:t>⠇⠊⠞⠓⠕⠎⠏⠓⠑⠗⠊⠉</a:t>
+              <a:t>⠇⠊?⠕⠎⠏⠓}⠊⠉</a:t>
             </a:r>
           </a:p>
           <a:p>
             <a:pPr algn="r"/>
             <a:r>
-              <a:rPr lang="en-US" sz="2400">
+              <a:rPr lang="en-US" sz="2400" dirty="0">
                 <a:latin typeface="Swell Braille" pitchFamily="49"/>
               </a:rPr>
               <a:t>   ⠍⠁⠝⠞⠇⠑</a:t>
@@ -4561,7 +4644,7 @@
         <p:spPr>
           <a:xfrm>
             <a:off x="425056" y="3439268"/>
-            <a:ext cx="2858475" cy="461665"/>
+            <a:ext cx="2635658" cy="461665"/>
           </a:xfrm>
           <a:prstGeom prst="rect">
             <a:avLst/>
@@ -4574,10 +4657,10 @@
           <a:lstStyle/>
           <a:p>
             <a:r>
-              <a:rPr lang="en-US" sz="2400">
+              <a:rPr lang="en-US" sz="2400" dirty="0">
                 <a:latin typeface="Swell Braille" pitchFamily="49"/>
               </a:rPr>
-              <a:t>⠇⠊⠞⠓⠲⠀⠍⠁⠝⠞⠇⠑</a:t>
+              <a:t>⠇⠊?⠲⠀⠍⠁⠝⠞⠇⠑</a:t>
             </a:r>
           </a:p>
         </p:txBody>
